--- a/Python/ML 시작하기.pptx
+++ b/Python/ML 시작하기.pptx
@@ -2286,7 +2286,25 @@
                 </a:solidFill>
                 <a:effectLst/>
               </a:rPr>
-              <a:t> Machine Learning</a:t>
+              <a:t> </a:t>
+            </a:r>
+            <a:r>
+              <a:rPr lang="en-US" altLang="ko-KR" sz="4000" dirty="0" smtClean="0">
+                <a:solidFill>
+                  <a:srgbClr val="FFFF00"/>
+                </a:solidFill>
+                <a:effectLst/>
+              </a:rPr>
+              <a:t>ML </a:t>
+            </a:r>
+            <a:r>
+              <a:rPr lang="ko-KR" altLang="en-US" sz="4000" dirty="0" smtClean="0">
+                <a:solidFill>
+                  <a:srgbClr val="FFFF00"/>
+                </a:solidFill>
+                <a:effectLst/>
+              </a:rPr>
+              <a:t>시작하기</a:t>
             </a:r>
             <a:endParaRPr lang="ko-KR" altLang="en-US" sz="5400" dirty="0">
               <a:solidFill>

--- a/Python/ML 시작하기.pptx
+++ b/Python/ML 시작하기.pptx
@@ -253,7 +253,7 @@
           <a:p>
             <a:fld id="{0701E38F-D71B-4628-B377-F26FA834EB07}" type="datetimeFigureOut">
               <a:rPr lang="ko-KR" altLang="en-US" smtClean="0"/>
-              <a:t>2022-12-07</a:t>
+              <a:t>2023-03-22</a:t>
             </a:fld>
             <a:endParaRPr lang="ko-KR" altLang="en-US"/>
           </a:p>
@@ -419,7 +419,7 @@
             <a:fld id="{BC75A1C1-99F9-4ED1-B968-97F8F766565C}" type="datetimeFigureOut">
               <a:rPr lang="ko-KR" altLang="en-US" smtClean="0"/>
               <a:pPr/>
-              <a:t>2022-12-07</a:t>
+              <a:t>2023-03-22</a:t>
             </a:fld>
             <a:endParaRPr lang="ko-KR" altLang="en-US"/>
           </a:p>
@@ -2286,16 +2286,7 @@
                 </a:solidFill>
                 <a:effectLst/>
               </a:rPr>
-              <a:t> </a:t>
-            </a:r>
-            <a:r>
-              <a:rPr lang="en-US" altLang="ko-KR" sz="4000" dirty="0" smtClean="0">
-                <a:solidFill>
-                  <a:srgbClr val="FFFF00"/>
-                </a:solidFill>
-                <a:effectLst/>
-              </a:rPr>
-              <a:t>ML </a:t>
+              <a:t> ML </a:t>
             </a:r>
             <a:r>
               <a:rPr lang="ko-KR" altLang="en-US" sz="4000" dirty="0" smtClean="0">
